--- a/課題研究/2016/川崎貴雅/ポスター/1442043川崎貴雅ポスター.pptx
+++ b/課題研究/2016/川崎貴雅/ポスター/1442043川崎貴雅ポスター.pptx
@@ -104,6 +104,11 @@
       </a:defRPr>
     </a:lvl9pPr>
   </p:defaultTextStyle>
+  <p:extLst>
+    <p:ext uri="{EFAFB233-063F-42B5-8137-9DF3F51BA10A}">
+      <p15:sldGuideLst xmlns:p15="http://schemas.microsoft.com/office/powerpoint/2012/main"/>
+    </p:ext>
+  </p:extLst>
 </p:presentation>
 </file>
 
@@ -238,7 +243,7 @@
           <a:p>
             <a:fld id="{B35F74AC-96FE-4400-B77B-3C379D56E07B}" type="datetimeFigureOut">
               <a:rPr kumimoji="1" lang="ja-JP" altLang="en-US" smtClean="0"/>
-              <a:t>2016/12/12</a:t>
+              <a:t>2016/12/14</a:t>
             </a:fld>
             <a:endParaRPr kumimoji="1" lang="ja-JP" altLang="en-US"/>
           </a:p>
@@ -440,7 +445,7 @@
           <a:p>
             <a:fld id="{B35F74AC-96FE-4400-B77B-3C379D56E07B}" type="datetimeFigureOut">
               <a:rPr kumimoji="1" lang="ja-JP" altLang="en-US" smtClean="0"/>
-              <a:t>2016/12/12</a:t>
+              <a:t>2016/12/14</a:t>
             </a:fld>
             <a:endParaRPr kumimoji="1" lang="ja-JP" altLang="en-US"/>
           </a:p>
@@ -652,7 +657,7 @@
           <a:p>
             <a:fld id="{B35F74AC-96FE-4400-B77B-3C379D56E07B}" type="datetimeFigureOut">
               <a:rPr kumimoji="1" lang="ja-JP" altLang="en-US" smtClean="0"/>
-              <a:t>2016/12/12</a:t>
+              <a:t>2016/12/14</a:t>
             </a:fld>
             <a:endParaRPr kumimoji="1" lang="ja-JP" altLang="en-US"/>
           </a:p>
@@ -854,7 +859,7 @@
           <a:p>
             <a:fld id="{B35F74AC-96FE-4400-B77B-3C379D56E07B}" type="datetimeFigureOut">
               <a:rPr kumimoji="1" lang="ja-JP" altLang="en-US" smtClean="0"/>
-              <a:t>2016/12/12</a:t>
+              <a:t>2016/12/14</a:t>
             </a:fld>
             <a:endParaRPr kumimoji="1" lang="ja-JP" altLang="en-US"/>
           </a:p>
@@ -1098,7 +1103,7 @@
           <a:p>
             <a:fld id="{B35F74AC-96FE-4400-B77B-3C379D56E07B}" type="datetimeFigureOut">
               <a:rPr kumimoji="1" lang="ja-JP" altLang="en-US" smtClean="0"/>
-              <a:t>2016/12/12</a:t>
+              <a:t>2016/12/14</a:t>
             </a:fld>
             <a:endParaRPr kumimoji="1" lang="ja-JP" altLang="en-US"/>
           </a:p>
@@ -1394,7 +1399,7 @@
           <a:p>
             <a:fld id="{B35F74AC-96FE-4400-B77B-3C379D56E07B}" type="datetimeFigureOut">
               <a:rPr kumimoji="1" lang="ja-JP" altLang="en-US" smtClean="0"/>
-              <a:t>2016/12/12</a:t>
+              <a:t>2016/12/14</a:t>
             </a:fld>
             <a:endParaRPr kumimoji="1" lang="ja-JP" altLang="en-US"/>
           </a:p>
@@ -1825,7 +1830,7 @@
           <a:p>
             <a:fld id="{B35F74AC-96FE-4400-B77B-3C379D56E07B}" type="datetimeFigureOut">
               <a:rPr kumimoji="1" lang="ja-JP" altLang="en-US" smtClean="0"/>
-              <a:t>2016/12/12</a:t>
+              <a:t>2016/12/14</a:t>
             </a:fld>
             <a:endParaRPr kumimoji="1" lang="ja-JP" altLang="en-US"/>
           </a:p>
@@ -1943,7 +1948,7 @@
           <a:p>
             <a:fld id="{B35F74AC-96FE-4400-B77B-3C379D56E07B}" type="datetimeFigureOut">
               <a:rPr kumimoji="1" lang="ja-JP" altLang="en-US" smtClean="0"/>
-              <a:t>2016/12/12</a:t>
+              <a:t>2016/12/14</a:t>
             </a:fld>
             <a:endParaRPr kumimoji="1" lang="ja-JP" altLang="en-US"/>
           </a:p>
@@ -2038,7 +2043,7 @@
           <a:p>
             <a:fld id="{B35F74AC-96FE-4400-B77B-3C379D56E07B}" type="datetimeFigureOut">
               <a:rPr kumimoji="1" lang="ja-JP" altLang="en-US" smtClean="0"/>
-              <a:t>2016/12/12</a:t>
+              <a:t>2016/12/14</a:t>
             </a:fld>
             <a:endParaRPr kumimoji="1" lang="ja-JP" altLang="en-US"/>
           </a:p>
@@ -2347,7 +2352,7 @@
           <a:p>
             <a:fld id="{B35F74AC-96FE-4400-B77B-3C379D56E07B}" type="datetimeFigureOut">
               <a:rPr kumimoji="1" lang="ja-JP" altLang="en-US" smtClean="0"/>
-              <a:t>2016/12/12</a:t>
+              <a:t>2016/12/14</a:t>
             </a:fld>
             <a:endParaRPr kumimoji="1" lang="ja-JP" altLang="en-US"/>
           </a:p>
@@ -2604,7 +2609,7 @@
           <a:p>
             <a:fld id="{B35F74AC-96FE-4400-B77B-3C379D56E07B}" type="datetimeFigureOut">
               <a:rPr kumimoji="1" lang="ja-JP" altLang="en-US" smtClean="0"/>
-              <a:t>2016/12/12</a:t>
+              <a:t>2016/12/14</a:t>
             </a:fld>
             <a:endParaRPr kumimoji="1" lang="ja-JP" altLang="en-US"/>
           </a:p>
@@ -2849,7 +2854,7 @@
           <a:p>
             <a:fld id="{B35F74AC-96FE-4400-B77B-3C379D56E07B}" type="datetimeFigureOut">
               <a:rPr kumimoji="1" lang="ja-JP" altLang="en-US" smtClean="0"/>
-              <a:t>2016/12/12</a:t>
+              <a:t>2016/12/14</a:t>
             </a:fld>
             <a:endParaRPr kumimoji="1" lang="ja-JP" altLang="en-US"/>
           </a:p>
@@ -3262,8 +3267,8 @@
         </p:nvSpPr>
         <p:spPr>
           <a:xfrm>
-            <a:off x="609316" y="342900"/>
-            <a:ext cx="20178921" cy="1015663"/>
+            <a:off x="2208316" y="342900"/>
+            <a:ext cx="16980931" cy="1015663"/>
           </a:xfrm>
           <a:prstGeom prst="rect">
             <a:avLst/>
@@ -3279,19 +3284,7 @@
             <a:pPr algn="ctr"/>
             <a:r>
               <a:rPr lang="ja-JP" altLang="en-US" sz="6000" dirty="0" smtClean="0"/>
-              <a:t>知財活用アイディア全国大会</a:t>
-            </a:r>
-            <a:r>
-              <a:rPr lang="en-US" altLang="ja-JP" sz="6000" dirty="0" smtClean="0"/>
-              <a:t>2016</a:t>
-            </a:r>
-            <a:r>
-              <a:rPr lang="ja-JP" altLang="en-US" sz="6000" dirty="0" err="1" smtClean="0"/>
-              <a:t>での</a:t>
-            </a:r>
-            <a:r>
-              <a:rPr lang="ja-JP" altLang="en-US" sz="6000" dirty="0" smtClean="0"/>
-              <a:t>ビジネスアイディア創出</a:t>
+              <a:t>視線検知を用いたリモコンと視線アートアプリの提案</a:t>
             </a:r>
             <a:endParaRPr kumimoji="1" lang="ja-JP" altLang="en-US" sz="6000" dirty="0"/>
           </a:p>
@@ -3389,8 +3382,8 @@
         </p:nvSpPr>
         <p:spPr>
           <a:xfrm>
-            <a:off x="2362200" y="3299937"/>
-            <a:ext cx="18873996" cy="3046988"/>
+            <a:off x="3362475" y="2685882"/>
+            <a:ext cx="17403875" cy="2308324"/>
           </a:xfrm>
           <a:prstGeom prst="rect">
             <a:avLst/>
@@ -3404,47 +3397,71 @@
           <a:lstStyle/>
           <a:p>
             <a:r>
-              <a:rPr lang="ja-JP" altLang="en-US" sz="4800" dirty="0" smtClean="0"/>
-              <a:t>中小企業　　　　　　　　　　　知的財産や商品アイディアを持たない．</a:t>
-            </a:r>
-            <a:endParaRPr lang="en-US" altLang="ja-JP" sz="4800" dirty="0" smtClean="0"/>
-          </a:p>
-          <a:p>
-            <a:endParaRPr kumimoji="1" lang="en-US" altLang="ja-JP" sz="4800" dirty="0" smtClean="0"/>
-          </a:p>
-          <a:p>
-            <a:r>
-              <a:rPr kumimoji="1" lang="ja-JP" altLang="en-US" sz="4800" dirty="0" smtClean="0"/>
+              <a:rPr lang="ja-JP" altLang="en-US" sz="3600" dirty="0" smtClean="0"/>
+              <a:t>中小企業　　　　　　　　　　　</a:t>
+            </a:r>
+            <a:r>
+              <a:rPr lang="ja-JP" altLang="en-US" sz="3600" dirty="0" smtClean="0"/>
+              <a:t>　　知的</a:t>
+            </a:r>
+            <a:r>
+              <a:rPr lang="ja-JP" altLang="en-US" sz="3600" dirty="0" smtClean="0"/>
+              <a:t>財産や商品アイディアを持たない．</a:t>
+            </a:r>
+            <a:endParaRPr lang="en-US" altLang="ja-JP" sz="3600" dirty="0" smtClean="0"/>
+          </a:p>
+          <a:p>
+            <a:endParaRPr kumimoji="1" lang="en-US" altLang="ja-JP" sz="3600" dirty="0" smtClean="0"/>
+          </a:p>
+          <a:p>
+            <a:r>
+              <a:rPr kumimoji="1" lang="ja-JP" altLang="en-US" sz="3600" dirty="0" smtClean="0"/>
               <a:t>大企業・大学　　　　　</a:t>
             </a:r>
             <a:r>
-              <a:rPr lang="ja-JP" altLang="en-US" sz="4800" dirty="0"/>
+              <a:rPr lang="ja-JP" altLang="en-US" sz="3600" dirty="0"/>
               <a:t> </a:t>
             </a:r>
             <a:r>
-              <a:rPr lang="ja-JP" altLang="en-US" sz="4800" dirty="0" smtClean="0"/>
+              <a:rPr lang="ja-JP" altLang="en-US" sz="3600" dirty="0" smtClean="0"/>
               <a:t> </a:t>
             </a:r>
             <a:r>
-              <a:rPr kumimoji="1" lang="ja-JP" altLang="en-US" sz="4800" dirty="0" smtClean="0"/>
-              <a:t>　　　規模が小ささから使われない特許がある．</a:t>
-            </a:r>
-            <a:endParaRPr kumimoji="1" lang="en-US" altLang="ja-JP" sz="4800" dirty="0" smtClean="0"/>
-          </a:p>
-          <a:p>
-            <a:r>
-              <a:rPr kumimoji="1" lang="ja-JP" altLang="en-US" sz="4800" dirty="0" smtClean="0"/>
-              <a:t>　　　　　　　　　　　　　　　　</a:t>
-            </a:r>
-            <a:r>
-              <a:rPr kumimoji="1" lang="ja-JP" altLang="en-US" sz="4800" smtClean="0"/>
-              <a:t>   未使用</a:t>
-            </a:r>
-            <a:r>
-              <a:rPr kumimoji="1" lang="ja-JP" altLang="en-US" sz="4800" dirty="0" smtClean="0"/>
+              <a:rPr kumimoji="1" lang="ja-JP" altLang="en-US" sz="3600" dirty="0" smtClean="0"/>
+              <a:t>　　　</a:t>
+            </a:r>
+            <a:r>
+              <a:rPr kumimoji="1" lang="ja-JP" altLang="en-US" sz="3600" dirty="0" smtClean="0"/>
+              <a:t>　　規模</a:t>
+            </a:r>
+            <a:r>
+              <a:rPr lang="ja-JP" altLang="en-US" sz="3600" dirty="0"/>
+              <a:t>の</a:t>
+            </a:r>
+            <a:r>
+              <a:rPr kumimoji="1" lang="ja-JP" altLang="en-US" sz="3600" dirty="0" smtClean="0"/>
+              <a:t>小ささ</a:t>
+            </a:r>
+            <a:r>
+              <a:rPr kumimoji="1" lang="ja-JP" altLang="en-US" sz="3600" dirty="0" smtClean="0"/>
+              <a:t>から使われない特許がある．</a:t>
+            </a:r>
+            <a:endParaRPr kumimoji="1" lang="en-US" altLang="ja-JP" sz="3600" dirty="0" smtClean="0"/>
+          </a:p>
+          <a:p>
+            <a:r>
+              <a:rPr kumimoji="1" lang="ja-JP" altLang="en-US" sz="3600" dirty="0" smtClean="0"/>
+              <a:t>　　　　　　　　　　　　　　　　   </a:t>
+            </a:r>
+            <a:r>
+              <a:rPr kumimoji="1" lang="ja-JP" altLang="en-US" sz="3600" dirty="0" smtClean="0"/>
+              <a:t>　　未使用</a:t>
+            </a:r>
+            <a:r>
+              <a:rPr kumimoji="1" lang="ja-JP" altLang="en-US" sz="3600" dirty="0" smtClean="0"/>
               <a:t>特許の一部に開放特許がある．</a:t>
             </a:r>
-            <a:endParaRPr kumimoji="1" lang="en-US" altLang="ja-JP" sz="4800" dirty="0" smtClean="0"/>
+            <a:endParaRPr kumimoji="1" lang="en-US" altLang="ja-JP" sz="3600" dirty="0" smtClean="0"/>
           </a:p>
         </p:txBody>
       </p:sp>
@@ -3456,7 +3473,7 @@
         </p:nvSpPr>
         <p:spPr>
           <a:xfrm>
-            <a:off x="627634" y="7989479"/>
+            <a:off x="631200" y="6427605"/>
             <a:ext cx="20135150" cy="1323439"/>
           </a:xfrm>
           <a:prstGeom prst="rect">
@@ -3494,8 +3511,8 @@
         </p:nvSpPr>
         <p:spPr>
           <a:xfrm>
-            <a:off x="1110888" y="10224163"/>
-            <a:ext cx="18696144" cy="1569660"/>
+            <a:off x="2038398" y="8370996"/>
+            <a:ext cx="17150849" cy="1446550"/>
           </a:xfrm>
           <a:prstGeom prst="rect">
             <a:avLst/>
@@ -3509,21 +3526,21 @@
           <a:lstStyle/>
           <a:p>
             <a:r>
-              <a:rPr kumimoji="1" lang="ja-JP" altLang="en-US" sz="4800" dirty="0" smtClean="0"/>
+              <a:rPr kumimoji="1" lang="ja-JP" altLang="en-US" sz="4400" dirty="0" smtClean="0"/>
               <a:t>開放特許の活用のため学生から斬新な商品アイディアの創出してもらい</a:t>
             </a:r>
-            <a:endParaRPr kumimoji="1" lang="en-US" altLang="ja-JP" sz="4800" dirty="0" smtClean="0"/>
-          </a:p>
-          <a:p>
-            <a:r>
-              <a:rPr kumimoji="1" lang="ja-JP" altLang="en-US" sz="4800" dirty="0" smtClean="0"/>
+            <a:endParaRPr kumimoji="1" lang="en-US" altLang="ja-JP" sz="4400" dirty="0" smtClean="0"/>
+          </a:p>
+          <a:p>
+            <a:r>
+              <a:rPr kumimoji="1" lang="ja-JP" altLang="en-US" sz="4400" dirty="0" smtClean="0"/>
               <a:t>商品化を希望する企業とマッチングさせる</a:t>
             </a:r>
             <a:r>
-              <a:rPr lang="ja-JP" altLang="en-US" sz="4800" dirty="0" smtClean="0"/>
+              <a:rPr lang="ja-JP" altLang="en-US" sz="4400" dirty="0" smtClean="0"/>
               <a:t>．</a:t>
             </a:r>
-            <a:endParaRPr lang="en-US" altLang="ja-JP" sz="4800" dirty="0" smtClean="0"/>
+            <a:endParaRPr lang="en-US" altLang="ja-JP" sz="4400" dirty="0" smtClean="0"/>
           </a:p>
         </p:txBody>
       </p:sp>
@@ -3535,8 +3552,8 @@
         </p:nvSpPr>
         <p:spPr>
           <a:xfrm>
-            <a:off x="247583" y="2689651"/>
-            <a:ext cx="1781591" cy="1539449"/>
+            <a:off x="247583" y="2689652"/>
+            <a:ext cx="1581217" cy="1106850"/>
           </a:xfrm>
           <a:prstGeom prst="rect">
             <a:avLst/>
@@ -3564,10 +3581,10 @@
           <a:p>
             <a:pPr algn="ctr"/>
             <a:r>
-              <a:rPr kumimoji="1" lang="ja-JP" altLang="en-US" sz="5400" dirty="0" smtClean="0"/>
+              <a:rPr kumimoji="1" lang="ja-JP" altLang="en-US" sz="4800" dirty="0" smtClean="0"/>
               <a:t>背景</a:t>
             </a:r>
-            <a:endParaRPr kumimoji="1" lang="ja-JP" altLang="en-US" sz="5400" dirty="0"/>
+            <a:endParaRPr kumimoji="1" lang="ja-JP" altLang="en-US" sz="4800" dirty="0"/>
           </a:p>
         </p:txBody>
       </p:sp>
@@ -3579,7 +3596,7 @@
         </p:nvSpPr>
         <p:spPr>
           <a:xfrm>
-            <a:off x="2563985" y="13071424"/>
+            <a:off x="2563985" y="11090224"/>
             <a:ext cx="17487900" cy="1594539"/>
           </a:xfrm>
           <a:prstGeom prst="rect">
@@ -3617,7 +3634,7 @@
         </p:nvSpPr>
         <p:spPr>
           <a:xfrm>
-            <a:off x="2563985" y="16192969"/>
+            <a:off x="2563985" y="13716469"/>
             <a:ext cx="16978672" cy="1594539"/>
           </a:xfrm>
           <a:prstGeom prst="rect">
@@ -3644,73 +3661,11 @@
           <a:p>
             <a:r>
               <a:rPr kumimoji="1" lang="ja-JP" altLang="en-US" dirty="0" smtClean="0"/>
-              <a:t>下記は作業一覧</a:t>
-            </a:r>
-            <a:endParaRPr kumimoji="1" lang="ja-JP" altLang="en-US" dirty="0"/>
-          </a:p>
-        </p:txBody>
-      </p:sp>
-      <p:sp>
-        <p:nvSpPr>
-          <p:cNvPr id="33" name="テキスト ボックス 32"/>
-          <p:cNvSpPr txBox="1"/>
-          <p:nvPr/>
-        </p:nvSpPr>
-        <p:spPr>
-          <a:xfrm>
-            <a:off x="1371316" y="25963972"/>
-            <a:ext cx="8244565" cy="3847848"/>
-          </a:xfrm>
-          <a:prstGeom prst="rect">
-            <a:avLst/>
-          </a:prstGeom>
-          <a:noFill/>
-        </p:spPr>
-        <p:txBody>
-          <a:bodyPr wrap="none" rtlCol="0">
-            <a:spAutoFit/>
-          </a:bodyPr>
-          <a:lstStyle/>
-          <a:p>
-            <a:r>
-              <a:rPr lang="ja-JP" altLang="en-US" dirty="0" smtClean="0">
-                <a:effectLst/>
-              </a:rPr>
-              <a:t>アイディアシート</a:t>
-            </a:r>
-            <a:endParaRPr lang="en-US" altLang="ja-JP" dirty="0" smtClean="0">
-              <a:effectLst/>
-            </a:endParaRPr>
-          </a:p>
-          <a:p>
-            <a:r>
-              <a:rPr lang="ja-JP" altLang="en-US" dirty="0" smtClean="0">
-                <a:effectLst/>
-              </a:rPr>
-              <a:t>ロゴデザイン</a:t>
-            </a:r>
-          </a:p>
-          <a:p>
-            <a:r>
-              <a:rPr lang="ja-JP" altLang="en-US" dirty="0" smtClean="0"/>
-              <a:t>視線検知技術を使ったリモコン</a:t>
-            </a:r>
-            <a:endParaRPr lang="en-US" altLang="ja-JP" dirty="0" smtClean="0"/>
-          </a:p>
-          <a:p>
-            <a:r>
-              <a:rPr lang="ja-JP" altLang="en-US" dirty="0" smtClean="0">
-                <a:effectLst/>
-              </a:rPr>
-              <a:t>のデザインサンプル品</a:t>
-            </a:r>
-          </a:p>
-          <a:p>
-            <a:r>
-              <a:rPr lang="ja-JP" altLang="en-US" dirty="0" smtClean="0">
-                <a:effectLst/>
-              </a:rPr>
-              <a:t>中間，最終発表用資料</a:t>
+              <a:t>下記は作業</a:t>
+            </a:r>
+            <a:r>
+              <a:rPr kumimoji="1" lang="ja-JP" altLang="en-US" dirty="0" smtClean="0"/>
+              <a:t>一覧，赤枠の作業は私が主に取り組んだ内容．</a:t>
             </a:r>
             <a:endParaRPr kumimoji="1" lang="ja-JP" altLang="en-US" dirty="0"/>
           </a:p>
@@ -3725,20 +3680,20 @@
           <p:nvPr>
             <p:extLst>
               <p:ext uri="{D42A27DB-BD31-4B8C-83A1-F6EECF244321}">
-                <p14:modId xmlns:p14="http://schemas.microsoft.com/office/powerpoint/2010/main" val="324058131"/>
+                <p14:modId xmlns:p14="http://schemas.microsoft.com/office/powerpoint/2010/main" val="1267569550"/>
               </p:ext>
             </p:extLst>
           </p:nvPr>
         </p:nvGraphicFramePr>
         <p:xfrm>
-          <a:off x="10883552" y="24194940"/>
-          <a:ext cx="9093895" cy="4409344"/>
+          <a:off x="12039600" y="23506046"/>
+          <a:ext cx="8567532" cy="4409344"/>
         </p:xfrm>
         <a:graphic>
           <a:graphicData uri="http://schemas.openxmlformats.org/presentationml/2006/ole">
             <mc:AlternateContent xmlns:mc="http://schemas.openxmlformats.org/markup-compatibility/2006">
               <mc:Choice xmlns:v="urn:schemas-microsoft-com:vml" Requires="v">
-                <p:oleObj spid="_x0000_s1045" name="Acrobat Document" r:id="rId3" imgW="4743274" imgH="2676227" progId="AcroExch.Document.7">
+                <p:oleObj spid="_x0000_s1060" name="Acrobat Document" r:id="rId3" imgW="4743274" imgH="2676227" progId="AcroExch.Document.7">
                   <p:embed/>
                 </p:oleObj>
               </mc:Choice>
@@ -3759,8 +3714,8 @@
                     </p:blipFill>
                     <p:spPr>
                       <a:xfrm>
-                        <a:off x="10883552" y="24194940"/>
-                        <a:ext cx="9093895" cy="4409344"/>
+                        <a:off x="12039600" y="23506046"/>
+                        <a:ext cx="8567532" cy="4409344"/>
                       </a:xfrm>
                       <a:prstGeom prst="rect">
                         <a:avLst/>
@@ -3781,8 +3736,8 @@
         </p:nvSpPr>
         <p:spPr>
           <a:xfrm>
-            <a:off x="10018448" y="28968384"/>
-            <a:ext cx="11287064" cy="843436"/>
+            <a:off x="12660622" y="28249207"/>
+            <a:ext cx="7451079" cy="584775"/>
           </a:xfrm>
           <a:prstGeom prst="rect">
             <a:avLst/>
@@ -3796,18 +3751,18 @@
           <a:lstStyle/>
           <a:p>
             <a:r>
-              <a:rPr kumimoji="1" lang="ja-JP" altLang="en-US" dirty="0" smtClean="0"/>
+              <a:rPr kumimoji="1" lang="ja-JP" altLang="en-US" sz="3200" dirty="0" smtClean="0"/>
               <a:t>図</a:t>
             </a:r>
             <a:r>
-              <a:rPr kumimoji="1" lang="en-US" altLang="ja-JP" dirty="0" smtClean="0"/>
+              <a:rPr kumimoji="1" lang="en-US" altLang="ja-JP" sz="3200" dirty="0" smtClean="0"/>
               <a:t>1</a:t>
             </a:r>
             <a:r>
-              <a:rPr kumimoji="1" lang="ja-JP" altLang="en-US" dirty="0" smtClean="0"/>
+              <a:rPr kumimoji="1" lang="ja-JP" altLang="en-US" sz="3200" dirty="0" smtClean="0"/>
               <a:t>　視線検知を作ったリモコンのデザイン</a:t>
             </a:r>
-            <a:endParaRPr kumimoji="1" lang="ja-JP" altLang="en-US" dirty="0"/>
+            <a:endParaRPr kumimoji="1" lang="ja-JP" altLang="en-US" sz="3200" dirty="0"/>
           </a:p>
         </p:txBody>
       </p:sp>
@@ -3819,8 +3774,8 @@
         </p:nvSpPr>
         <p:spPr>
           <a:xfrm>
-            <a:off x="247583" y="13092458"/>
-            <a:ext cx="1781591" cy="1539449"/>
+            <a:off x="247583" y="11111259"/>
+            <a:ext cx="1581217" cy="1106850"/>
           </a:xfrm>
           <a:prstGeom prst="rect">
             <a:avLst/>
@@ -3848,10 +3803,10 @@
           <a:p>
             <a:pPr algn="ctr"/>
             <a:r>
-              <a:rPr lang="ja-JP" altLang="en-US" sz="5400" dirty="0"/>
+              <a:rPr lang="ja-JP" altLang="en-US" sz="4800" dirty="0"/>
               <a:t>目的</a:t>
             </a:r>
-            <a:endParaRPr kumimoji="1" lang="ja-JP" altLang="en-US" sz="5400" dirty="0"/>
+            <a:endParaRPr kumimoji="1" lang="ja-JP" altLang="en-US" sz="4800" dirty="0"/>
           </a:p>
         </p:txBody>
       </p:sp>
@@ -3863,8 +3818,8 @@
         </p:nvSpPr>
         <p:spPr>
           <a:xfrm>
-            <a:off x="247583" y="16246175"/>
-            <a:ext cx="1781591" cy="1539449"/>
+            <a:off x="247583" y="13769676"/>
+            <a:ext cx="1581217" cy="1106850"/>
           </a:xfrm>
           <a:prstGeom prst="rect">
             <a:avLst/>
@@ -3892,10 +3847,10 @@
           <a:p>
             <a:pPr algn="ctr"/>
             <a:r>
-              <a:rPr lang="ja-JP" altLang="en-US" sz="5400" dirty="0"/>
+              <a:rPr lang="ja-JP" altLang="en-US" sz="4800" dirty="0"/>
               <a:t>方法</a:t>
             </a:r>
-            <a:endParaRPr kumimoji="1" lang="ja-JP" altLang="en-US" sz="5400" dirty="0"/>
+            <a:endParaRPr kumimoji="1" lang="ja-JP" altLang="en-US" sz="4800" dirty="0"/>
           </a:p>
         </p:txBody>
       </p:sp>
@@ -3907,8 +3862,8 @@
         </p:nvSpPr>
         <p:spPr>
           <a:xfrm>
-            <a:off x="247583" y="24144641"/>
-            <a:ext cx="3486217" cy="1539449"/>
+            <a:off x="247583" y="23496942"/>
+            <a:ext cx="3094125" cy="1106850"/>
           </a:xfrm>
           <a:prstGeom prst="rect">
             <a:avLst/>
@@ -3936,14 +3891,14 @@
           <a:p>
             <a:pPr algn="ctr"/>
             <a:r>
-              <a:rPr lang="ja-JP" altLang="en-US" sz="5400" dirty="0" smtClean="0"/>
+              <a:rPr lang="ja-JP" altLang="en-US" sz="4800" dirty="0" smtClean="0"/>
               <a:t>進捗</a:t>
             </a:r>
             <a:r>
-              <a:rPr lang="ja-JP" altLang="en-US" sz="5400" dirty="0"/>
+              <a:rPr lang="ja-JP" altLang="en-US" sz="4800" dirty="0"/>
               <a:t>状況</a:t>
             </a:r>
-            <a:endParaRPr kumimoji="1" lang="ja-JP" altLang="en-US" sz="5400" dirty="0"/>
+            <a:endParaRPr kumimoji="1" lang="ja-JP" altLang="en-US" sz="4800" dirty="0"/>
           </a:p>
         </p:txBody>
       </p:sp>
@@ -3955,7 +3910,7 @@
         </p:nvSpPr>
         <p:spPr>
           <a:xfrm>
-            <a:off x="10100422" y="6748860"/>
+            <a:off x="10103988" y="5225086"/>
             <a:ext cx="1207513" cy="978408"/>
           </a:xfrm>
           <a:prstGeom prst="downArrow">
@@ -3995,7 +3950,7 @@
         </p:nvSpPr>
         <p:spPr>
           <a:xfrm>
-            <a:off x="6629400" y="3339705"/>
+            <a:off x="6695352" y="2727105"/>
             <a:ext cx="1790700" cy="813342"/>
           </a:xfrm>
           <a:prstGeom prst="rightArrow">
@@ -4043,7 +3998,7 @@
         </p:nvSpPr>
         <p:spPr>
           <a:xfrm>
-            <a:off x="6591300" y="4863705"/>
+            <a:off x="6704154" y="3834601"/>
             <a:ext cx="1790700" cy="813342"/>
           </a:xfrm>
           <a:prstGeom prst="rightArrow">
@@ -4091,7 +4046,7 @@
         </p:nvSpPr>
         <p:spPr>
           <a:xfrm>
-            <a:off x="3657600" y="20002500"/>
+            <a:off x="3962400" y="16687800"/>
             <a:ext cx="3771900" cy="1504756"/>
           </a:xfrm>
           <a:prstGeom prst="homePlate">
@@ -4135,7 +4090,7 @@
         </p:nvSpPr>
         <p:spPr>
           <a:xfrm>
-            <a:off x="7266874" y="19947332"/>
+            <a:off x="7571674" y="16632632"/>
             <a:ext cx="3851835" cy="1504756"/>
           </a:xfrm>
           <a:prstGeom prst="chevron">
@@ -4187,7 +4142,7 @@
         </p:nvSpPr>
         <p:spPr>
           <a:xfrm>
-            <a:off x="11000675" y="19947332"/>
+            <a:off x="11305475" y="16632632"/>
             <a:ext cx="3851835" cy="1504756"/>
           </a:xfrm>
           <a:prstGeom prst="chevron">
@@ -4239,7 +4194,7 @@
         </p:nvSpPr>
         <p:spPr>
           <a:xfrm>
-            <a:off x="14645081" y="19947332"/>
+            <a:off x="14949881" y="16632632"/>
             <a:ext cx="3851835" cy="1504756"/>
           </a:xfrm>
           <a:prstGeom prst="chevron">
@@ -4291,7 +4246,7 @@
         </p:nvSpPr>
         <p:spPr>
           <a:xfrm>
-            <a:off x="375402" y="19065109"/>
+            <a:off x="680202" y="15750409"/>
             <a:ext cx="2331087" cy="646331"/>
           </a:xfrm>
           <a:prstGeom prst="rect">
@@ -4321,7 +4276,7 @@
         </p:nvSpPr>
         <p:spPr>
           <a:xfrm>
-            <a:off x="3657600" y="18991072"/>
+            <a:off x="3962400" y="15676372"/>
             <a:ext cx="2646878" cy="584775"/>
           </a:xfrm>
           <a:prstGeom prst="rect">
@@ -4351,7 +4306,7 @@
         </p:nvSpPr>
         <p:spPr>
           <a:xfrm>
-            <a:off x="7266874" y="18991072"/>
+            <a:off x="7571674" y="15676372"/>
             <a:ext cx="3708066" cy="584775"/>
           </a:xfrm>
           <a:prstGeom prst="rect">
@@ -4381,7 +4336,7 @@
         </p:nvSpPr>
         <p:spPr>
           <a:xfrm>
-            <a:off x="11086994" y="18982690"/>
+            <a:off x="11391794" y="15667990"/>
             <a:ext cx="3467616" cy="584775"/>
           </a:xfrm>
           <a:prstGeom prst="rect">
@@ -4411,7 +4366,7 @@
         </p:nvSpPr>
         <p:spPr>
           <a:xfrm>
-            <a:off x="14645081" y="18642516"/>
+            <a:off x="14949881" y="15327816"/>
             <a:ext cx="4039888" cy="1077218"/>
           </a:xfrm>
           <a:prstGeom prst="rect">
@@ -4456,7 +4411,7 @@
         </p:nvSpPr>
         <p:spPr>
           <a:xfrm>
-            <a:off x="375402" y="21978018"/>
+            <a:off x="680202" y="18663318"/>
             <a:ext cx="1741182" cy="646331"/>
           </a:xfrm>
           <a:prstGeom prst="rect">
@@ -4494,7 +4449,7 @@
         </p:nvSpPr>
         <p:spPr>
           <a:xfrm>
-            <a:off x="3743674" y="22111131"/>
+            <a:off x="4048474" y="18796431"/>
             <a:ext cx="2646878" cy="584775"/>
           </a:xfrm>
           <a:prstGeom prst="rect">
@@ -4524,7 +4479,7 @@
         </p:nvSpPr>
         <p:spPr>
           <a:xfrm>
-            <a:off x="7352948" y="22111131"/>
+            <a:off x="7657748" y="18796431"/>
             <a:ext cx="2646878" cy="584775"/>
           </a:xfrm>
           <a:prstGeom prst="rect">
@@ -4554,7 +4509,7 @@
         </p:nvSpPr>
         <p:spPr>
           <a:xfrm>
-            <a:off x="11173068" y="22102749"/>
+            <a:off x="11477868" y="18788049"/>
             <a:ext cx="3294492" cy="584775"/>
           </a:xfrm>
           <a:prstGeom prst="rect">
@@ -4584,7 +4539,7 @@
         </p:nvSpPr>
         <p:spPr>
           <a:xfrm>
-            <a:off x="14731155" y="21762575"/>
+            <a:off x="15112155" y="18638375"/>
             <a:ext cx="3294492" cy="1077218"/>
           </a:xfrm>
           <a:prstGeom prst="rect">
@@ -4610,6 +4565,402 @@
               <a:t>最終発表プレゼン</a:t>
             </a:r>
             <a:endParaRPr kumimoji="1" lang="ja-JP" altLang="en-US" sz="3200" dirty="0"/>
+          </a:p>
+        </p:txBody>
+      </p:sp>
+      <p:sp>
+        <p:nvSpPr>
+          <p:cNvPr id="38" name="正方形/長方形 37"/>
+          <p:cNvSpPr/>
+          <p:nvPr/>
+        </p:nvSpPr>
+        <p:spPr>
+          <a:xfrm>
+            <a:off x="11477868" y="18714988"/>
+            <a:ext cx="3294492" cy="666217"/>
+          </a:xfrm>
+          <a:prstGeom prst="rect">
+            <a:avLst/>
+          </a:prstGeom>
+          <a:noFill/>
+          <a:ln>
+            <a:solidFill>
+              <a:srgbClr val="FF0000"/>
+            </a:solidFill>
+          </a:ln>
+        </p:spPr>
+        <p:style>
+          <a:lnRef idx="2">
+            <a:schemeClr val="accent1">
+              <a:shade val="50000"/>
+            </a:schemeClr>
+          </a:lnRef>
+          <a:fillRef idx="1">
+            <a:schemeClr val="accent1"/>
+          </a:fillRef>
+          <a:effectRef idx="0">
+            <a:schemeClr val="accent1"/>
+          </a:effectRef>
+          <a:fontRef idx="minor">
+            <a:schemeClr val="lt1"/>
+          </a:fontRef>
+        </p:style>
+        <p:txBody>
+          <a:bodyPr rtlCol="0" anchor="ctr"/>
+          <a:lstStyle/>
+          <a:p>
+            <a:pPr algn="ctr"/>
+            <a:endParaRPr kumimoji="1" lang="ja-JP" altLang="en-US"/>
+          </a:p>
+        </p:txBody>
+      </p:sp>
+      <p:sp>
+        <p:nvSpPr>
+          <p:cNvPr id="39" name="正方形/長方形 38"/>
+          <p:cNvSpPr/>
+          <p:nvPr/>
+        </p:nvSpPr>
+        <p:spPr>
+          <a:xfrm>
+            <a:off x="15083990" y="18483863"/>
+            <a:ext cx="2756745" cy="658592"/>
+          </a:xfrm>
+          <a:prstGeom prst="rect">
+            <a:avLst/>
+          </a:prstGeom>
+          <a:noFill/>
+          <a:ln>
+            <a:solidFill>
+              <a:srgbClr val="FF0000"/>
+            </a:solidFill>
+          </a:ln>
+        </p:spPr>
+        <p:style>
+          <a:lnRef idx="2">
+            <a:schemeClr val="accent1">
+              <a:shade val="50000"/>
+            </a:schemeClr>
+          </a:lnRef>
+          <a:fillRef idx="1">
+            <a:schemeClr val="accent1"/>
+          </a:fillRef>
+          <a:effectRef idx="0">
+            <a:schemeClr val="accent1"/>
+          </a:effectRef>
+          <a:fontRef idx="minor">
+            <a:schemeClr val="lt1"/>
+          </a:fontRef>
+        </p:style>
+        <p:txBody>
+          <a:bodyPr rtlCol="0" anchor="ctr"/>
+          <a:lstStyle/>
+          <a:p>
+            <a:pPr algn="ctr"/>
+            <a:endParaRPr kumimoji="1" lang="ja-JP" altLang="en-US"/>
+          </a:p>
+        </p:txBody>
+      </p:sp>
+      <p:sp>
+        <p:nvSpPr>
+          <p:cNvPr id="40" name="正方形/長方形 39"/>
+          <p:cNvSpPr/>
+          <p:nvPr/>
+        </p:nvSpPr>
+        <p:spPr>
+          <a:xfrm>
+            <a:off x="4084389" y="18756585"/>
+            <a:ext cx="2524889" cy="768507"/>
+          </a:xfrm>
+          <a:prstGeom prst="rect">
+            <a:avLst/>
+          </a:prstGeom>
+          <a:noFill/>
+          <a:ln>
+            <a:solidFill>
+              <a:srgbClr val="FF0000"/>
+            </a:solidFill>
+          </a:ln>
+        </p:spPr>
+        <p:style>
+          <a:lnRef idx="2">
+            <a:schemeClr val="accent1">
+              <a:shade val="50000"/>
+            </a:schemeClr>
+          </a:lnRef>
+          <a:fillRef idx="1">
+            <a:schemeClr val="accent1"/>
+          </a:fillRef>
+          <a:effectRef idx="0">
+            <a:schemeClr val="accent1"/>
+          </a:effectRef>
+          <a:fontRef idx="minor">
+            <a:schemeClr val="lt1"/>
+          </a:fontRef>
+        </p:style>
+        <p:txBody>
+          <a:bodyPr rtlCol="0" anchor="ctr"/>
+          <a:lstStyle/>
+          <a:p>
+            <a:pPr algn="ctr"/>
+            <a:endParaRPr kumimoji="1" lang="ja-JP" altLang="en-US"/>
+          </a:p>
+        </p:txBody>
+      </p:sp>
+      <p:sp>
+        <p:nvSpPr>
+          <p:cNvPr id="3" name="テキスト ボックス 2"/>
+          <p:cNvSpPr txBox="1"/>
+          <p:nvPr/>
+        </p:nvSpPr>
+        <p:spPr>
+          <a:xfrm>
+            <a:off x="1153014" y="19987150"/>
+            <a:ext cx="14869776" cy="1384995"/>
+          </a:xfrm>
+          <a:prstGeom prst="rect">
+            <a:avLst/>
+          </a:prstGeom>
+          <a:noFill/>
+        </p:spPr>
+        <p:txBody>
+          <a:bodyPr wrap="none" rtlCol="0">
+            <a:spAutoFit/>
+          </a:bodyPr>
+          <a:lstStyle/>
+          <a:p>
+            <a:r>
+              <a:rPr lang="ja-JP" altLang="en-US" sz="2800" dirty="0" smtClean="0"/>
+              <a:t>アイディア出し・・・商品パッケージを視線検知によって決めるという案</a:t>
+            </a:r>
+            <a:endParaRPr lang="en-US" altLang="ja-JP" sz="2800" dirty="0" smtClean="0"/>
+          </a:p>
+          <a:p>
+            <a:r>
+              <a:rPr lang="ja-JP" altLang="en-US" sz="2800" dirty="0" smtClean="0"/>
+              <a:t>　　　　　　　　　　    </a:t>
+            </a:r>
+            <a:r>
+              <a:rPr lang="en-US" altLang="ja-JP" sz="2800" dirty="0" smtClean="0"/>
+              <a:t>VR</a:t>
+            </a:r>
+            <a:r>
+              <a:rPr lang="ja-JP" altLang="en-US" sz="2800" dirty="0" smtClean="0"/>
+              <a:t>技術で災害状況を作り出し，</a:t>
+            </a:r>
+            <a:r>
+              <a:rPr lang="ja-JP" altLang="en-US" sz="2800" dirty="0"/>
+              <a:t>視線</a:t>
+            </a:r>
+            <a:r>
+              <a:rPr lang="ja-JP" altLang="en-US" sz="2800" dirty="0" smtClean="0"/>
+              <a:t>の集中箇所に避難所の看板を設置する案．</a:t>
+            </a:r>
+            <a:endParaRPr lang="en-US" altLang="ja-JP" sz="2800" dirty="0" smtClean="0"/>
+          </a:p>
+          <a:p>
+            <a:r>
+              <a:rPr kumimoji="1" lang="ja-JP" altLang="en-US" sz="2800" dirty="0"/>
+              <a:t>　</a:t>
+            </a:r>
+            <a:r>
+              <a:rPr kumimoji="1" lang="ja-JP" altLang="en-US" sz="2800" dirty="0" smtClean="0"/>
+              <a:t>　　　　　　　　　    上記の</a:t>
+            </a:r>
+            <a:r>
+              <a:rPr kumimoji="1" lang="en-US" altLang="ja-JP" sz="2800" dirty="0" smtClean="0"/>
+              <a:t>2</a:t>
+            </a:r>
+            <a:r>
+              <a:rPr lang="ja-JP" altLang="en-US" sz="2800" dirty="0" smtClean="0"/>
+              <a:t>案をあげたが，視線アートとリモコンの案に決まった．</a:t>
+            </a:r>
+            <a:endParaRPr kumimoji="1" lang="ja-JP" altLang="en-US" sz="2800" dirty="0"/>
+          </a:p>
+        </p:txBody>
+      </p:sp>
+      <p:sp>
+        <p:nvSpPr>
+          <p:cNvPr id="6" name="テキスト ボックス 5"/>
+          <p:cNvSpPr txBox="1"/>
+          <p:nvPr/>
+        </p:nvSpPr>
+        <p:spPr>
+          <a:xfrm>
+            <a:off x="1153014" y="21619818"/>
+            <a:ext cx="18418825" cy="523220"/>
+          </a:xfrm>
+          <a:prstGeom prst="rect">
+            <a:avLst/>
+          </a:prstGeom>
+          <a:noFill/>
+        </p:spPr>
+        <p:txBody>
+          <a:bodyPr wrap="none" rtlCol="0">
+            <a:spAutoFit/>
+          </a:bodyPr>
+          <a:lstStyle/>
+          <a:p>
+            <a:r>
+              <a:rPr kumimoji="1" lang="ja-JP" altLang="en-US" sz="2800" dirty="0" smtClean="0"/>
+              <a:t>中間発表プレゼン・・・自分たちの案がどのようなものなのかを説明し審査員から意見をいただきビジネス案の訂正をする．</a:t>
+            </a:r>
+            <a:endParaRPr kumimoji="1" lang="ja-JP" altLang="en-US" sz="2800" dirty="0"/>
+          </a:p>
+        </p:txBody>
+      </p:sp>
+      <p:sp>
+        <p:nvSpPr>
+          <p:cNvPr id="7" name="テキスト ボックス 6"/>
+          <p:cNvSpPr txBox="1"/>
+          <p:nvPr/>
+        </p:nvSpPr>
+        <p:spPr>
+          <a:xfrm>
+            <a:off x="1105848" y="22401738"/>
+            <a:ext cx="8359981" cy="523220"/>
+          </a:xfrm>
+          <a:prstGeom prst="rect">
+            <a:avLst/>
+          </a:prstGeom>
+          <a:noFill/>
+        </p:spPr>
+        <p:txBody>
+          <a:bodyPr wrap="none" rtlCol="0">
+            <a:spAutoFit/>
+          </a:bodyPr>
+          <a:lstStyle/>
+          <a:p>
+            <a:r>
+              <a:rPr kumimoji="1" lang="ja-JP" altLang="en-US" sz="2800" dirty="0" smtClean="0"/>
+              <a:t>金銭設定作成・・・開発費案を人件費などから考案する</a:t>
+            </a:r>
+            <a:endParaRPr kumimoji="1" lang="ja-JP" altLang="en-US" sz="2800" dirty="0"/>
+          </a:p>
+        </p:txBody>
+      </p:sp>
+      <p:sp>
+        <p:nvSpPr>
+          <p:cNvPr id="8" name="テキスト ボックス 7"/>
+          <p:cNvSpPr txBox="1"/>
+          <p:nvPr/>
+        </p:nvSpPr>
+        <p:spPr>
+          <a:xfrm>
+            <a:off x="247583" y="24990132"/>
+            <a:ext cx="11870557" cy="5078313"/>
+          </a:xfrm>
+          <a:prstGeom prst="rect">
+            <a:avLst/>
+          </a:prstGeom>
+          <a:noFill/>
+        </p:spPr>
+        <p:txBody>
+          <a:bodyPr wrap="none" rtlCol="0">
+            <a:spAutoFit/>
+          </a:bodyPr>
+          <a:lstStyle/>
+          <a:p>
+            <a:r>
+              <a:rPr kumimoji="1" lang="ja-JP" altLang="en-US" sz="3600" dirty="0" smtClean="0"/>
+              <a:t>今回のプロジェクトで考案したものは主に</a:t>
+            </a:r>
+            <a:r>
+              <a:rPr lang="en-US" altLang="ja-JP" sz="3600" dirty="0" smtClean="0"/>
+              <a:t>2</a:t>
+            </a:r>
+            <a:r>
+              <a:rPr lang="ja-JP" altLang="en-US" sz="3600" dirty="0" smtClean="0"/>
+              <a:t>個</a:t>
+            </a:r>
+            <a:r>
+              <a:rPr kumimoji="1" lang="ja-JP" altLang="en-US" sz="3600" dirty="0" smtClean="0"/>
+              <a:t>ある．</a:t>
+            </a:r>
+            <a:endParaRPr kumimoji="1" lang="en-US" altLang="ja-JP" sz="3600" dirty="0" smtClean="0"/>
+          </a:p>
+          <a:p>
+            <a:endParaRPr lang="en-US" altLang="ja-JP" sz="3600" dirty="0" smtClean="0"/>
+          </a:p>
+          <a:p>
+            <a:r>
+              <a:rPr lang="ja-JP" altLang="en-US" sz="3600" dirty="0" smtClean="0"/>
+              <a:t>視線リモコン　　       視線検知技術を使用して登録された視線</a:t>
+            </a:r>
+            <a:endParaRPr lang="en-US" altLang="ja-JP" sz="3600" dirty="0" smtClean="0"/>
+          </a:p>
+          <a:p>
+            <a:r>
+              <a:rPr lang="ja-JP" altLang="en-US" sz="3600" dirty="0" smtClean="0"/>
+              <a:t>　　　　　　　　　　 　　の動きをすることで録画や電源を消せる</a:t>
+            </a:r>
+            <a:endParaRPr lang="en-US" altLang="ja-JP" sz="3600" dirty="0" smtClean="0"/>
+          </a:p>
+          <a:p>
+            <a:r>
+              <a:rPr lang="ja-JP" altLang="en-US" sz="3600" dirty="0"/>
+              <a:t>　</a:t>
+            </a:r>
+            <a:r>
+              <a:rPr lang="ja-JP" altLang="en-US" sz="3600" dirty="0" smtClean="0"/>
+              <a:t>　　　　　　　　　　　 などの機能を持ったもの</a:t>
+            </a:r>
+            <a:endParaRPr kumimoji="1" lang="en-US" altLang="ja-JP" sz="3600" dirty="0" smtClean="0"/>
+          </a:p>
+          <a:p>
+            <a:r>
+              <a:rPr kumimoji="1" lang="ja-JP" altLang="en-US" sz="3600" dirty="0" smtClean="0"/>
+              <a:t>視線アートアプリ     視線検知技術で</a:t>
+            </a:r>
+            <a:r>
+              <a:rPr kumimoji="1" lang="ja-JP" altLang="en-US" sz="3600" smtClean="0"/>
+              <a:t>検知した，視線</a:t>
+            </a:r>
+            <a:r>
+              <a:rPr kumimoji="1" lang="ja-JP" altLang="en-US" sz="3600" dirty="0" smtClean="0"/>
+              <a:t>データを</a:t>
+            </a:r>
+            <a:endParaRPr kumimoji="1" lang="en-US" altLang="ja-JP" sz="3600" dirty="0" smtClean="0"/>
+          </a:p>
+          <a:p>
+            <a:r>
+              <a:rPr lang="ja-JP" altLang="en-US" sz="3600" dirty="0"/>
+              <a:t>　</a:t>
+            </a:r>
+            <a:r>
+              <a:rPr lang="ja-JP" altLang="en-US" sz="3600" dirty="0" smtClean="0"/>
+              <a:t>　　　　　　　　　   　 色分けして，その画像をユーザーに提供</a:t>
+            </a:r>
+            <a:endParaRPr lang="en-US" altLang="ja-JP" sz="3600" dirty="0" smtClean="0"/>
+          </a:p>
+          <a:p>
+            <a:r>
+              <a:rPr kumimoji="1" lang="ja-JP" altLang="en-US" sz="3600" dirty="0"/>
+              <a:t> </a:t>
+            </a:r>
+            <a:r>
+              <a:rPr kumimoji="1" lang="ja-JP" altLang="en-US" sz="3600" dirty="0" smtClean="0"/>
+              <a:t>                                   する代わりに集めた視線データを他事業</a:t>
+            </a:r>
+            <a:endParaRPr kumimoji="1" lang="en-US" altLang="ja-JP" sz="3600" dirty="0" smtClean="0"/>
+          </a:p>
+          <a:p>
+            <a:r>
+              <a:rPr lang="ja-JP" altLang="en-US" sz="3600" dirty="0"/>
+              <a:t>　</a:t>
+            </a:r>
+            <a:r>
+              <a:rPr lang="ja-JP" altLang="en-US" sz="3600" dirty="0" smtClean="0"/>
+              <a:t>　　　　　　　　　　</a:t>
+            </a:r>
+            <a:r>
+              <a:rPr lang="ja-JP" altLang="en-US" sz="3600" dirty="0"/>
+              <a:t> </a:t>
+            </a:r>
+            <a:r>
+              <a:rPr lang="ja-JP" altLang="en-US" sz="3600" dirty="0" smtClean="0"/>
+              <a:t>   に提供する．</a:t>
+            </a:r>
+            <a:endParaRPr kumimoji="1" lang="ja-JP" altLang="en-US" sz="3600" dirty="0"/>
           </a:p>
         </p:txBody>
       </p:sp>
